--- a/slides/11-泛型和容器类.pptx
+++ b/slides/11-泛型和容器类.pptx
@@ -197,87 +197,30 @@
 </p:presentation>
 </file>
 
-<file path=ppt/revisionInfo.xml><?xml version="1.0" encoding="utf-8"?>
-<p1510:revInfo xmlns:a="http://schemas.openxmlformats.org/drawingml/2006/main" xmlns:r="http://schemas.openxmlformats.org/officeDocument/2006/relationships" xmlns:p1510="http://schemas.microsoft.com/office/powerpoint/2015/10/main">
-  <p1510:revLst>
-    <p1510:client id="{CA086135-B595-48F1-A1FC-007846709CED}" v="4" dt="2024-04-08T10:18:55.739"/>
-  </p1510:revLst>
-</p1510:revInfo>
-</file>
-
 <file path=ppt/changesInfos/changesInfo1.xml><?xml version="1.0" encoding="utf-8"?>
 <pc:chgInfo xmlns:a="http://schemas.openxmlformats.org/drawingml/2006/main" xmlns:r="http://schemas.openxmlformats.org/officeDocument/2006/relationships" xmlns:ac="http://schemas.microsoft.com/office/drawing/2013/main/command" xmlns:pc="http://schemas.microsoft.com/office/powerpoint/2013/main/command">
   <pc:docChgLst>
-    <pc:chgData name="pdcxs" userId="f53f700a-6709-4045-8975-3edaa594be1c" providerId="ADAL" clId="{CA086135-B595-48F1-A1FC-007846709CED}"/>
-    <pc:docChg chg="custSel addSld modSld">
-      <pc:chgData name="pdcxs" userId="f53f700a-6709-4045-8975-3edaa594be1c" providerId="ADAL" clId="{CA086135-B595-48F1-A1FC-007846709CED}" dt="2024-04-08T10:21:36.663" v="487"/>
-      <pc:docMkLst>
-        <pc:docMk/>
-      </pc:docMkLst>
-      <pc:sldChg chg="addSp modSp add mod">
-        <pc:chgData name="pdcxs" userId="f53f700a-6709-4045-8975-3edaa594be1c" providerId="ADAL" clId="{CA086135-B595-48F1-A1FC-007846709CED}" dt="2024-04-08T10:21:36.663" v="487"/>
-        <pc:sldMkLst>
-          <pc:docMk/>
-          <pc:sldMk cId="3149729374" sldId="363"/>
-        </pc:sldMkLst>
-        <pc:spChg chg="mod">
-          <ac:chgData name="pdcxs" userId="f53f700a-6709-4045-8975-3edaa594be1c" providerId="ADAL" clId="{CA086135-B595-48F1-A1FC-007846709CED}" dt="2024-04-08T10:18:41.908" v="358" actId="20577"/>
-          <ac:spMkLst>
-            <pc:docMk/>
-            <pc:sldMk cId="3149729374" sldId="363"/>
-            <ac:spMk id="3" creationId="{D413C4CB-0FF5-451F-ADC9-F1B720972F38}"/>
-          </ac:spMkLst>
-        </pc:spChg>
-        <pc:spChg chg="add mod">
-          <ac:chgData name="pdcxs" userId="f53f700a-6709-4045-8975-3edaa594be1c" providerId="ADAL" clId="{CA086135-B595-48F1-A1FC-007846709CED}" dt="2024-04-08T10:21:36.663" v="487"/>
-          <ac:spMkLst>
-            <pc:docMk/>
-            <pc:sldMk cId="3149729374" sldId="363"/>
-            <ac:spMk id="4" creationId="{0EC94FE1-97AB-9B5B-FDE3-24FC5771EDFB}"/>
-          </ac:spMkLst>
-        </pc:spChg>
-        <pc:spChg chg="mod">
-          <ac:chgData name="pdcxs" userId="f53f700a-6709-4045-8975-3edaa594be1c" providerId="ADAL" clId="{CA086135-B595-48F1-A1FC-007846709CED}" dt="2024-04-08T10:16:03.115" v="15" actId="20577"/>
-          <ac:spMkLst>
-            <pc:docMk/>
-            <pc:sldMk cId="3149729374" sldId="363"/>
-            <ac:spMk id="12" creationId="{FBAB8972-87CC-4170-AA59-C469F5151BAD}"/>
-          </ac:spMkLst>
-        </pc:spChg>
-      </pc:sldChg>
-    </pc:docChg>
-  </pc:docChgLst>
-  <pc:docChgLst>
-    <pc:chgData name="pdcxs" userId="f53f700a-6709-4045-8975-3edaa594be1c" providerId="ADAL" clId="{BC624106-2C99-4A0A-B857-2C4C9AAD5A23}"/>
+    <pc:chgData name="pdcxs" userId="f53f700a-6709-4045-8975-3edaa594be1c" providerId="ADAL" clId="{A99CC9C8-0570-4484-860A-469DB08BDE27}"/>
     <pc:docChg chg="modSld">
-      <pc:chgData name="pdcxs" userId="f53f700a-6709-4045-8975-3edaa594be1c" providerId="ADAL" clId="{BC624106-2C99-4A0A-B857-2C4C9AAD5A23}" dt="2023-03-09T01:57:03.007" v="8" actId="20577"/>
+      <pc:chgData name="pdcxs" userId="f53f700a-6709-4045-8975-3edaa594be1c" providerId="ADAL" clId="{A99CC9C8-0570-4484-860A-469DB08BDE27}" dt="2024-04-17T15:28:24.080" v="411" actId="20577"/>
       <pc:docMkLst>
         <pc:docMk/>
       </pc:docMkLst>
       <pc:sldChg chg="modSp mod">
-        <pc:chgData name="pdcxs" userId="f53f700a-6709-4045-8975-3edaa594be1c" providerId="ADAL" clId="{BC624106-2C99-4A0A-B857-2C4C9AAD5A23}" dt="2023-03-09T01:57:03.007" v="8" actId="20577"/>
+        <pc:chgData name="pdcxs" userId="f53f700a-6709-4045-8975-3edaa594be1c" providerId="ADAL" clId="{A99CC9C8-0570-4484-860A-469DB08BDE27}" dt="2024-04-17T15:28:24.080" v="411" actId="20577"/>
         <pc:sldMkLst>
           <pc:docMk/>
-          <pc:sldMk cId="753176371" sldId="306"/>
+          <pc:sldMk cId="3806384925" sldId="327"/>
         </pc:sldMkLst>
-        <pc:spChg chg="mod">
-          <ac:chgData name="pdcxs" userId="f53f700a-6709-4045-8975-3edaa594be1c" providerId="ADAL" clId="{BC624106-2C99-4A0A-B857-2C4C9AAD5A23}" dt="2023-03-09T01:57:03.007" v="8" actId="20577"/>
-          <ac:spMkLst>
+        <pc:graphicFrameChg chg="modGraphic">
+          <ac:chgData name="pdcxs" userId="f53f700a-6709-4045-8975-3edaa594be1c" providerId="ADAL" clId="{A99CC9C8-0570-4484-860A-469DB08BDE27}" dt="2024-04-17T15:28:24.080" v="411" actId="20577"/>
+          <ac:graphicFrameMkLst>
             <pc:docMk/>
-            <pc:sldMk cId="753176371" sldId="306"/>
-            <ac:spMk id="19" creationId="{00000000-0000-0000-0000-000000000000}"/>
-          </ac:spMkLst>
-        </pc:spChg>
+            <pc:sldMk cId="3806384925" sldId="327"/>
+            <ac:graphicFrameMk id="3" creationId="{70C00145-C095-47AA-A4F8-8C38B4464B06}"/>
+          </ac:graphicFrameMkLst>
+        </pc:graphicFrameChg>
       </pc:sldChg>
-    </pc:docChg>
-  </pc:docChgLst>
-  <pc:docChgLst>
-    <pc:chgData name="pdcxs" userId="f53f700a-6709-4045-8975-3edaa594be1c" providerId="ADAL" clId="{A99CC9C8-0570-4484-860A-469DB08BDE27}"/>
-    <pc:docChg chg="modSld">
-      <pc:chgData name="pdcxs" userId="f53f700a-6709-4045-8975-3edaa594be1c" providerId="ADAL" clId="{A99CC9C8-0570-4484-860A-469DB08BDE27}" dt="2024-04-08T04:07:01.973" v="410" actId="20577"/>
-      <pc:docMkLst>
-        <pc:docMk/>
-      </pc:docMkLst>
       <pc:sldChg chg="modSp mod">
         <pc:chgData name="pdcxs" userId="f53f700a-6709-4045-8975-3edaa594be1c" providerId="ADAL" clId="{A99CC9C8-0570-4484-860A-469DB08BDE27}" dt="2024-04-08T04:07:01.973" v="410" actId="20577"/>
         <pc:sldMkLst>
@@ -455,6 +398,70 @@
       </pc:sldChg>
     </pc:docChg>
   </pc:docChgLst>
+  <pc:docChgLst>
+    <pc:chgData name="pdcxs" userId="f53f700a-6709-4045-8975-3edaa594be1c" providerId="ADAL" clId="{CA086135-B595-48F1-A1FC-007846709CED}"/>
+    <pc:docChg chg="custSel addSld modSld">
+      <pc:chgData name="pdcxs" userId="f53f700a-6709-4045-8975-3edaa594be1c" providerId="ADAL" clId="{CA086135-B595-48F1-A1FC-007846709CED}" dt="2024-04-08T10:21:36.663" v="487"/>
+      <pc:docMkLst>
+        <pc:docMk/>
+      </pc:docMkLst>
+      <pc:sldChg chg="addSp modSp add mod">
+        <pc:chgData name="pdcxs" userId="f53f700a-6709-4045-8975-3edaa594be1c" providerId="ADAL" clId="{CA086135-B595-48F1-A1FC-007846709CED}" dt="2024-04-08T10:21:36.663" v="487"/>
+        <pc:sldMkLst>
+          <pc:docMk/>
+          <pc:sldMk cId="3149729374" sldId="363"/>
+        </pc:sldMkLst>
+        <pc:spChg chg="mod">
+          <ac:chgData name="pdcxs" userId="f53f700a-6709-4045-8975-3edaa594be1c" providerId="ADAL" clId="{CA086135-B595-48F1-A1FC-007846709CED}" dt="2024-04-08T10:18:41.908" v="358" actId="20577"/>
+          <ac:spMkLst>
+            <pc:docMk/>
+            <pc:sldMk cId="3149729374" sldId="363"/>
+            <ac:spMk id="3" creationId="{D413C4CB-0FF5-451F-ADC9-F1B720972F38}"/>
+          </ac:spMkLst>
+        </pc:spChg>
+        <pc:spChg chg="add mod">
+          <ac:chgData name="pdcxs" userId="f53f700a-6709-4045-8975-3edaa594be1c" providerId="ADAL" clId="{CA086135-B595-48F1-A1FC-007846709CED}" dt="2024-04-08T10:21:36.663" v="487"/>
+          <ac:spMkLst>
+            <pc:docMk/>
+            <pc:sldMk cId="3149729374" sldId="363"/>
+            <ac:spMk id="4" creationId="{0EC94FE1-97AB-9B5B-FDE3-24FC5771EDFB}"/>
+          </ac:spMkLst>
+        </pc:spChg>
+        <pc:spChg chg="mod">
+          <ac:chgData name="pdcxs" userId="f53f700a-6709-4045-8975-3edaa594be1c" providerId="ADAL" clId="{CA086135-B595-48F1-A1FC-007846709CED}" dt="2024-04-08T10:16:03.115" v="15" actId="20577"/>
+          <ac:spMkLst>
+            <pc:docMk/>
+            <pc:sldMk cId="3149729374" sldId="363"/>
+            <ac:spMk id="12" creationId="{FBAB8972-87CC-4170-AA59-C469F5151BAD}"/>
+          </ac:spMkLst>
+        </pc:spChg>
+      </pc:sldChg>
+    </pc:docChg>
+  </pc:docChgLst>
+  <pc:docChgLst>
+    <pc:chgData name="pdcxs" userId="f53f700a-6709-4045-8975-3edaa594be1c" providerId="ADAL" clId="{BC624106-2C99-4A0A-B857-2C4C9AAD5A23}"/>
+    <pc:docChg chg="modSld">
+      <pc:chgData name="pdcxs" userId="f53f700a-6709-4045-8975-3edaa594be1c" providerId="ADAL" clId="{BC624106-2C99-4A0A-B857-2C4C9AAD5A23}" dt="2023-03-09T01:57:03.007" v="8" actId="20577"/>
+      <pc:docMkLst>
+        <pc:docMk/>
+      </pc:docMkLst>
+      <pc:sldChg chg="modSp mod">
+        <pc:chgData name="pdcxs" userId="f53f700a-6709-4045-8975-3edaa594be1c" providerId="ADAL" clId="{BC624106-2C99-4A0A-B857-2C4C9AAD5A23}" dt="2023-03-09T01:57:03.007" v="8" actId="20577"/>
+        <pc:sldMkLst>
+          <pc:docMk/>
+          <pc:sldMk cId="753176371" sldId="306"/>
+        </pc:sldMkLst>
+        <pc:spChg chg="mod">
+          <ac:chgData name="pdcxs" userId="f53f700a-6709-4045-8975-3edaa594be1c" providerId="ADAL" clId="{BC624106-2C99-4A0A-B857-2C4C9AAD5A23}" dt="2023-03-09T01:57:03.007" v="8" actId="20577"/>
+          <ac:spMkLst>
+            <pc:docMk/>
+            <pc:sldMk cId="753176371" sldId="306"/>
+            <ac:spMk id="19" creationId="{00000000-0000-0000-0000-000000000000}"/>
+          </ac:spMkLst>
+        </pc:spChg>
+      </pc:sldChg>
+    </pc:docChg>
+  </pc:docChgLst>
 </pc:chgInfo>
 </file>
 
@@ -567,7 +574,7 @@
               <a:pPr>
                 <a:defRPr/>
               </a:pPr>
-              <a:t>2024/4/8</a:t>
+              <a:t>2024/4/17</a:t>
             </a:fld>
             <a:endParaRPr lang="zh-CN" altLang="en-US"/>
           </a:p>
@@ -2497,7 +2504,7 @@
               <a:pPr>
                 <a:defRPr/>
               </a:pPr>
-              <a:t>2024/4/8</a:t>
+              <a:t>2024/4/17</a:t>
             </a:fld>
             <a:endParaRPr lang="zh-CN" altLang="en-US"/>
           </a:p>
@@ -2838,7 +2845,7 @@
               <a:pPr>
                 <a:defRPr/>
               </a:pPr>
-              <a:t>2024/4/8</a:t>
+              <a:t>2024/4/17</a:t>
             </a:fld>
             <a:endParaRPr lang="zh-CN" altLang="en-US"/>
           </a:p>
@@ -3101,7 +3108,7 @@
               <a:pPr>
                 <a:defRPr/>
               </a:pPr>
-              <a:t>2024/4/8</a:t>
+              <a:t>2024/4/17</a:t>
             </a:fld>
             <a:endParaRPr lang="zh-CN" altLang="en-US"/>
           </a:p>
@@ -3364,7 +3371,7 @@
               <a:pPr>
                 <a:defRPr/>
               </a:pPr>
-              <a:t>2024/4/8</a:t>
+              <a:t>2024/4/17</a:t>
             </a:fld>
             <a:endParaRPr lang="zh-CN" altLang="en-US"/>
           </a:p>
@@ -3672,7 +3679,7 @@
           <a:p>
             <a:fld id="{727B9DD9-119C-4B8D-B3AB-3CFC6AE69930}" type="datetimeFigureOut">
               <a:rPr lang="zh-CN" altLang="en-US" smtClean="0"/>
-              <a:t>2024/4/8</a:t>
+              <a:t>2024/4/17</a:t>
             </a:fld>
             <a:endParaRPr lang="zh-CN" altLang="en-US"/>
           </a:p>
@@ -3752,7 +3759,7 @@
         <p:random/>
       </p:transition>
     </mc:Choice>
-    <mc:Fallback xmlns="" xmlns:p15="http://schemas.microsoft.com/office/powerpoint/2012/main">
+    <mc:Fallback xmlns:p15="http://schemas.microsoft.com/office/powerpoint/2012/main" xmlns="">
       <p:transition spd="slow" advClick="0">
         <p:random/>
       </p:transition>
@@ -5034,7 +5041,7 @@
               <a:pPr>
                 <a:defRPr/>
               </a:pPr>
-              <a:t>2024/4/8</a:t>
+              <a:t>2024/4/17</a:t>
             </a:fld>
             <a:endParaRPr lang="zh-CN" altLang="en-US"/>
           </a:p>
@@ -5552,7 +5559,7 @@
               <a:pPr>
                 <a:defRPr/>
               </a:pPr>
-              <a:t>2024/4/8</a:t>
+              <a:t>2024/4/17</a:t>
             </a:fld>
             <a:endParaRPr lang="zh-CN" altLang="en-US"/>
           </a:p>
@@ -5756,7 +5763,7 @@
               <a:pPr>
                 <a:defRPr/>
               </a:pPr>
-              <a:t>2024/4/8</a:t>
+              <a:t>2024/4/17</a:t>
             </a:fld>
             <a:endParaRPr lang="zh-CN" altLang="en-US"/>
           </a:p>
@@ -5930,7 +5937,7 @@
               <a:pPr>
                 <a:defRPr/>
               </a:pPr>
-              <a:t>2024/4/8</a:t>
+              <a:t>2024/4/17</a:t>
             </a:fld>
             <a:endParaRPr lang="zh-CN" altLang="en-US"/>
           </a:p>
@@ -6790,7 +6797,7 @@
         <p:blinds dir="vert"/>
       </p:transition>
     </mc:Choice>
-    <mc:Fallback xmlns="" xmlns:p15="http://schemas.microsoft.com/office/powerpoint/2012/main">
+    <mc:Fallback xmlns:p15="http://schemas.microsoft.com/office/powerpoint/2012/main" xmlns="">
       <p:transition spd="slow" advClick="0">
         <p:blinds dir="vert"/>
       </p:transition>
@@ -10411,7 +10418,7 @@
         <p:blinds dir="vert"/>
       </p:transition>
     </mc:Choice>
-    <mc:Fallback xmlns="" xmlns:p15="http://schemas.microsoft.com/office/powerpoint/2012/main">
+    <mc:Fallback xmlns:p15="http://schemas.microsoft.com/office/powerpoint/2012/main" xmlns="">
       <p:transition spd="slow" advClick="0">
         <p:blinds dir="vert"/>
       </p:transition>
@@ -11423,7 +11430,7 @@
         <p:blinds dir="vert"/>
       </p:transition>
     </mc:Choice>
-    <mc:Fallback xmlns="" xmlns:p15="http://schemas.microsoft.com/office/powerpoint/2012/main">
+    <mc:Fallback xmlns:p15="http://schemas.microsoft.com/office/powerpoint/2012/main" xmlns="">
       <p:transition spd="slow" advClick="0">
         <p:blinds dir="vert"/>
       </p:transition>
@@ -12254,7 +12261,7 @@
         <p:blinds dir="vert"/>
       </p:transition>
     </mc:Choice>
-    <mc:Fallback xmlns="" xmlns:p15="http://schemas.microsoft.com/office/powerpoint/2012/main">
+    <mc:Fallback xmlns:p15="http://schemas.microsoft.com/office/powerpoint/2012/main" xmlns="">
       <p:transition spd="slow" advClick="0">
         <p:blinds dir="vert"/>
       </p:transition>
@@ -13093,7 +13100,7 @@
         <p:blinds dir="vert"/>
       </p:transition>
     </mc:Choice>
-    <mc:Fallback xmlns="" xmlns:p15="http://schemas.microsoft.com/office/powerpoint/2012/main">
+    <mc:Fallback xmlns:p15="http://schemas.microsoft.com/office/powerpoint/2012/main" xmlns="">
       <p:transition spd="slow" advClick="0">
         <p:blinds dir="vert"/>
       </p:transition>
@@ -13791,7 +13798,7 @@
         <p:blinds dir="vert"/>
       </p:transition>
     </mc:Choice>
-    <mc:Fallback xmlns="" xmlns:p15="http://schemas.microsoft.com/office/powerpoint/2012/main">
+    <mc:Fallback xmlns:p15="http://schemas.microsoft.com/office/powerpoint/2012/main" xmlns="">
       <p:transition spd="slow" advClick="0">
         <p:blinds dir="vert"/>
       </p:transition>
@@ -14493,7 +14500,7 @@
         <p:blinds dir="vert"/>
       </p:transition>
     </mc:Choice>
-    <mc:Fallback xmlns="" xmlns:p15="http://schemas.microsoft.com/office/powerpoint/2012/main">
+    <mc:Fallback xmlns:p15="http://schemas.microsoft.com/office/powerpoint/2012/main" xmlns="">
       <p:transition spd="slow" advClick="0">
         <p:blinds dir="vert"/>
       </p:transition>
@@ -17368,7 +17375,7 @@
         <p14:prism/>
       </p:transition>
     </mc:Choice>
-    <mc:Fallback xmlns="" xmlns:p15="http://schemas.microsoft.com/office/powerpoint/2012/main">
+    <mc:Fallback xmlns:p15="http://schemas.microsoft.com/office/powerpoint/2012/main" xmlns="">
       <p:transition spd="slow" advClick="0">
         <p:fade/>
       </p:transition>
@@ -18293,7 +18300,7 @@
         <p:blinds dir="vert"/>
       </p:transition>
     </mc:Choice>
-    <mc:Fallback xmlns="" xmlns:p15="http://schemas.microsoft.com/office/powerpoint/2012/main">
+    <mc:Fallback xmlns:p15="http://schemas.microsoft.com/office/powerpoint/2012/main" xmlns="">
       <p:transition spd="slow" advClick="0">
         <p:blinds dir="vert"/>
       </p:transition>
@@ -18985,7 +18992,7 @@
         <p:blinds dir="vert"/>
       </p:transition>
     </mc:Choice>
-    <mc:Fallback xmlns="" xmlns:p15="http://schemas.microsoft.com/office/powerpoint/2012/main">
+    <mc:Fallback xmlns:p15="http://schemas.microsoft.com/office/powerpoint/2012/main" xmlns="">
       <p:transition spd="slow" advClick="0">
         <p:blinds dir="vert"/>
       </p:transition>
@@ -19605,7 +19612,7 @@
         <p:blinds dir="vert"/>
       </p:transition>
     </mc:Choice>
-    <mc:Fallback xmlns="" xmlns:p15="http://schemas.microsoft.com/office/powerpoint/2012/main">
+    <mc:Fallback xmlns:p15="http://schemas.microsoft.com/office/powerpoint/2012/main" xmlns="">
       <p:transition spd="slow" advClick="0">
         <p:blinds dir="vert"/>
       </p:transition>
@@ -20554,7 +20561,7 @@
           <p:nvPr>
             <p:extLst>
               <p:ext uri="{D42A27DB-BD31-4B8C-83A1-F6EECF244321}">
-                <p14:modId xmlns:p14="http://schemas.microsoft.com/office/powerpoint/2010/main" val="3852935201"/>
+                <p14:modId xmlns:p14="http://schemas.microsoft.com/office/powerpoint/2010/main" val="3183313184"/>
               </p:ext>
             </p:extLst>
           </p:nvPr>
@@ -20748,7 +20755,11 @@
                     <a:p>
                       <a:r>
                         <a:rPr lang="en-US" altLang="zh-CN" dirty="0"/>
-                        <a:t>public abstract vid </a:t>
+                        <a:t>public </a:t>
+                      </a:r>
+                      <a:r>
+                        <a:rPr lang="en-US" altLang="zh-CN"/>
+                        <a:t>abstract void </a:t>
                       </a:r>
                       <a:r>
                         <a:rPr lang="en-US" altLang="zh-CN" dirty="0" err="1"/>
@@ -20802,7 +20813,7 @@
         <p:blinds dir="vert"/>
       </p:transition>
     </mc:Choice>
-    <mc:Fallback xmlns="" xmlns:p15="http://schemas.microsoft.com/office/powerpoint/2012/main">
+    <mc:Fallback xmlns:p15="http://schemas.microsoft.com/office/powerpoint/2012/main" xmlns="">
       <p:transition spd="slow" advClick="0">
         <p:blinds dir="vert"/>
       </p:transition>
@@ -21651,7 +21662,7 @@
         <p:blinds dir="vert"/>
       </p:transition>
     </mc:Choice>
-    <mc:Fallback xmlns="" xmlns:p15="http://schemas.microsoft.com/office/powerpoint/2012/main">
+    <mc:Fallback xmlns:p15="http://schemas.microsoft.com/office/powerpoint/2012/main" xmlns="">
       <p:transition spd="slow" advClick="0">
         <p:blinds dir="vert"/>
       </p:transition>
@@ -22347,7 +22358,7 @@
         <p:blinds dir="vert"/>
       </p:transition>
     </mc:Choice>
-    <mc:Fallback xmlns="" xmlns:p15="http://schemas.microsoft.com/office/powerpoint/2012/main">
+    <mc:Fallback xmlns:p15="http://schemas.microsoft.com/office/powerpoint/2012/main" xmlns="">
       <p:transition spd="slow" advClick="0">
         <p:blinds dir="vert"/>
       </p:transition>
@@ -23430,7 +23441,7 @@
         <p:blinds dir="vert"/>
       </p:transition>
     </mc:Choice>
-    <mc:Fallback xmlns="" xmlns:p15="http://schemas.microsoft.com/office/powerpoint/2012/main">
+    <mc:Fallback xmlns:p15="http://schemas.microsoft.com/office/powerpoint/2012/main" xmlns="">
       <p:transition spd="slow" advClick="0">
         <p:blinds dir="vert"/>
       </p:transition>
@@ -24104,7 +24115,7 @@
         <p:blinds dir="vert"/>
       </p:transition>
     </mc:Choice>
-    <mc:Fallback xmlns="" xmlns:p15="http://schemas.microsoft.com/office/powerpoint/2012/main">
+    <mc:Fallback xmlns:p15="http://schemas.microsoft.com/office/powerpoint/2012/main" xmlns="">
       <p:transition spd="slow" advClick="0">
         <p:blinds dir="vert"/>
       </p:transition>
@@ -25030,7 +25041,7 @@
         <p:blinds dir="vert"/>
       </p:transition>
     </mc:Choice>
-    <mc:Fallback xmlns="" xmlns:p15="http://schemas.microsoft.com/office/powerpoint/2012/main">
+    <mc:Fallback xmlns:p15="http://schemas.microsoft.com/office/powerpoint/2012/main" xmlns="">
       <p:transition spd="slow" advClick="0">
         <p:blinds dir="vert"/>
       </p:transition>
@@ -25470,7 +25481,7 @@
         <p:blinds dir="vert"/>
       </p:transition>
     </mc:Choice>
-    <mc:Fallback xmlns="" xmlns:p15="http://schemas.microsoft.com/office/powerpoint/2012/main">
+    <mc:Fallback xmlns:p15="http://schemas.microsoft.com/office/powerpoint/2012/main" xmlns="">
       <p:transition spd="slow" advClick="0">
         <p:blinds dir="vert"/>
       </p:transition>
@@ -27677,7 +27688,7 @@
         <p:blinds dir="vert"/>
       </p:transition>
     </mc:Choice>
-    <mc:Fallback xmlns="" xmlns:p15="http://schemas.microsoft.com/office/powerpoint/2012/main">
+    <mc:Fallback xmlns:p15="http://schemas.microsoft.com/office/powerpoint/2012/main" xmlns="">
       <p:transition spd="slow" advClick="0">
         <p:blinds dir="vert"/>
       </p:transition>
@@ -28746,7 +28757,7 @@
         <p:blinds dir="vert"/>
       </p:transition>
     </mc:Choice>
-    <mc:Fallback xmlns="" xmlns:p15="http://schemas.microsoft.com/office/powerpoint/2012/main">
+    <mc:Fallback xmlns:p15="http://schemas.microsoft.com/office/powerpoint/2012/main" xmlns="">
       <p:transition spd="slow" advClick="0">
         <p:blinds dir="vert"/>
       </p:transition>
@@ -29861,7 +29872,7 @@
         <p:blinds dir="vert"/>
       </p:transition>
     </mc:Choice>
-    <mc:Fallback xmlns="" xmlns:p15="http://schemas.microsoft.com/office/powerpoint/2012/main">
+    <mc:Fallback xmlns:p15="http://schemas.microsoft.com/office/powerpoint/2012/main" xmlns="">
       <p:transition spd="slow" advClick="0">
         <p:blinds dir="vert"/>
       </p:transition>
@@ -30728,7 +30739,7 @@
         <p:blinds dir="vert"/>
       </p:transition>
     </mc:Choice>
-    <mc:Fallback xmlns="" xmlns:p15="http://schemas.microsoft.com/office/powerpoint/2012/main">
+    <mc:Fallback xmlns:p15="http://schemas.microsoft.com/office/powerpoint/2012/main" xmlns="">
       <p:transition spd="slow" advClick="0">
         <p:blinds dir="vert"/>
       </p:transition>
@@ -31165,7 +31176,7 @@
         <p:blinds dir="vert"/>
       </p:transition>
     </mc:Choice>
-    <mc:Fallback xmlns="" xmlns:p15="http://schemas.microsoft.com/office/powerpoint/2012/main">
+    <mc:Fallback xmlns:p15="http://schemas.microsoft.com/office/powerpoint/2012/main" xmlns="">
       <p:transition spd="slow" advClick="0">
         <p:blinds dir="vert"/>
       </p:transition>
@@ -32035,7 +32046,7 @@
         <p:blinds dir="vert"/>
       </p:transition>
     </mc:Choice>
-    <mc:Fallback xmlns="" xmlns:p15="http://schemas.microsoft.com/office/powerpoint/2012/main">
+    <mc:Fallback xmlns:p15="http://schemas.microsoft.com/office/powerpoint/2012/main" xmlns="">
       <p:transition spd="slow" advClick="0">
         <p:blinds dir="vert"/>
       </p:transition>
@@ -32326,7 +32337,7 @@
     <mc:Choice Requires="p14">
       <p:transition spd="slow" p14:dur="2000" advClick="0"/>
     </mc:Choice>
-    <mc:Fallback xmlns="" xmlns:p15="http://schemas.microsoft.com/office/powerpoint/2012/main">
+    <mc:Fallback xmlns:p15="http://schemas.microsoft.com/office/powerpoint/2012/main" xmlns="">
       <p:transition spd="slow" advClick="0"/>
     </mc:Fallback>
   </mc:AlternateContent>
@@ -33371,7 +33382,7 @@
         <p:blinds dir="vert"/>
       </p:transition>
     </mc:Choice>
-    <mc:Fallback xmlns="" xmlns:p15="http://schemas.microsoft.com/office/powerpoint/2012/main">
+    <mc:Fallback xmlns:p15="http://schemas.microsoft.com/office/powerpoint/2012/main" xmlns="">
       <p:transition spd="slow" advClick="0">
         <p:blinds dir="vert"/>
       </p:transition>
@@ -34211,7 +34222,7 @@
         <p:blinds dir="vert"/>
       </p:transition>
     </mc:Choice>
-    <mc:Fallback xmlns="" xmlns:p15="http://schemas.microsoft.com/office/powerpoint/2012/main">
+    <mc:Fallback xmlns:p15="http://schemas.microsoft.com/office/powerpoint/2012/main" xmlns="">
       <p:transition spd="slow" advClick="0">
         <p:blinds dir="vert"/>
       </p:transition>

--- a/slides/11-泛型和容器类.pptx
+++ b/slides/11-泛型和容器类.pptx
@@ -212,14 +212,6 @@
           <pc:docMk/>
           <pc:sldMk cId="3806384925" sldId="327"/>
         </pc:sldMkLst>
-        <pc:graphicFrameChg chg="modGraphic">
-          <ac:chgData name="pdcxs" userId="f53f700a-6709-4045-8975-3edaa594be1c" providerId="ADAL" clId="{A99CC9C8-0570-4484-860A-469DB08BDE27}" dt="2024-04-17T15:28:24.080" v="411" actId="20577"/>
-          <ac:graphicFrameMkLst>
-            <pc:docMk/>
-            <pc:sldMk cId="3806384925" sldId="327"/>
-            <ac:graphicFrameMk id="3" creationId="{70C00145-C095-47AA-A4F8-8C38B4464B06}"/>
-          </ac:graphicFrameMkLst>
-        </pc:graphicFrameChg>
       </pc:sldChg>
       <pc:sldChg chg="modSp mod">
         <pc:chgData name="pdcxs" userId="f53f700a-6709-4045-8975-3edaa594be1c" providerId="ADAL" clId="{A99CC9C8-0570-4484-860A-469DB08BDE27}" dt="2024-04-08T04:07:01.973" v="410" actId="20577"/>
@@ -227,14 +219,6 @@
           <pc:docMk/>
           <pc:sldMk cId="3903775033" sldId="341"/>
         </pc:sldMkLst>
-        <pc:spChg chg="mod">
-          <ac:chgData name="pdcxs" userId="f53f700a-6709-4045-8975-3edaa594be1c" providerId="ADAL" clId="{A99CC9C8-0570-4484-860A-469DB08BDE27}" dt="2024-04-08T04:07:01.973" v="410" actId="20577"/>
-          <ac:spMkLst>
-            <pc:docMk/>
-            <pc:sldMk cId="3903775033" sldId="341"/>
-            <ac:spMk id="16" creationId="{33F9D3DA-7A59-406B-9DC6-7894852723BF}"/>
-          </ac:spMkLst>
-        </pc:spChg>
       </pc:sldChg>
       <pc:sldChg chg="modSp mod">
         <pc:chgData name="pdcxs" userId="f53f700a-6709-4045-8975-3edaa594be1c" providerId="ADAL" clId="{A99CC9C8-0570-4484-860A-469DB08BDE27}" dt="2024-04-08T03:14:12.216" v="106" actId="20577"/>
@@ -242,30 +226,6 @@
           <pc:docMk/>
           <pc:sldMk cId="91784537" sldId="344"/>
         </pc:sldMkLst>
-        <pc:spChg chg="mod">
-          <ac:chgData name="pdcxs" userId="f53f700a-6709-4045-8975-3edaa594be1c" providerId="ADAL" clId="{A99CC9C8-0570-4484-860A-469DB08BDE27}" dt="2024-04-08T03:08:02.551" v="33" actId="14100"/>
-          <ac:spMkLst>
-            <pc:docMk/>
-            <pc:sldMk cId="91784537" sldId="344"/>
-            <ac:spMk id="13" creationId="{7C8B968D-7FE5-4C5C-9320-6121D3BFA813}"/>
-          </ac:spMkLst>
-        </pc:spChg>
-        <pc:spChg chg="mod">
-          <ac:chgData name="pdcxs" userId="f53f700a-6709-4045-8975-3edaa594be1c" providerId="ADAL" clId="{A99CC9C8-0570-4484-860A-469DB08BDE27}" dt="2024-04-08T03:11:01.534" v="74" actId="20577"/>
-          <ac:spMkLst>
-            <pc:docMk/>
-            <pc:sldMk cId="91784537" sldId="344"/>
-            <ac:spMk id="15" creationId="{C565A527-E1C3-4E6D-8AA2-52167DA3B159}"/>
-          </ac:spMkLst>
-        </pc:spChg>
-        <pc:spChg chg="mod">
-          <ac:chgData name="pdcxs" userId="f53f700a-6709-4045-8975-3edaa594be1c" providerId="ADAL" clId="{A99CC9C8-0570-4484-860A-469DB08BDE27}" dt="2024-04-08T03:14:12.216" v="106" actId="20577"/>
-          <ac:spMkLst>
-            <pc:docMk/>
-            <pc:sldMk cId="91784537" sldId="344"/>
-            <ac:spMk id="16" creationId="{143A2618-65E5-4931-B078-FC6676A4D6B5}"/>
-          </ac:spMkLst>
-        </pc:spChg>
       </pc:sldChg>
       <pc:sldChg chg="modSp mod">
         <pc:chgData name="pdcxs" userId="f53f700a-6709-4045-8975-3edaa594be1c" providerId="ADAL" clId="{A99CC9C8-0570-4484-860A-469DB08BDE27}" dt="2024-04-08T03:32:26.343" v="140" actId="14100"/>
@@ -273,14 +233,6 @@
           <pc:docMk/>
           <pc:sldMk cId="406679664" sldId="346"/>
         </pc:sldMkLst>
-        <pc:spChg chg="mod">
-          <ac:chgData name="pdcxs" userId="f53f700a-6709-4045-8975-3edaa594be1c" providerId="ADAL" clId="{A99CC9C8-0570-4484-860A-469DB08BDE27}" dt="2024-04-08T03:32:26.343" v="140" actId="14100"/>
-          <ac:spMkLst>
-            <pc:docMk/>
-            <pc:sldMk cId="406679664" sldId="346"/>
-            <ac:spMk id="18" creationId="{451BA1DF-72D7-49B4-A004-7F1457EEE8CE}"/>
-          </ac:spMkLst>
-        </pc:spChg>
       </pc:sldChg>
       <pc:sldChg chg="modSp mod">
         <pc:chgData name="pdcxs" userId="f53f700a-6709-4045-8975-3edaa594be1c" providerId="ADAL" clId="{A99CC9C8-0570-4484-860A-469DB08BDE27}" dt="2024-04-08T03:37:26.111" v="206" actId="20577"/>
@@ -288,22 +240,6 @@
           <pc:docMk/>
           <pc:sldMk cId="2393739114" sldId="348"/>
         </pc:sldMkLst>
-        <pc:spChg chg="mod">
-          <ac:chgData name="pdcxs" userId="f53f700a-6709-4045-8975-3edaa594be1c" providerId="ADAL" clId="{A99CC9C8-0570-4484-860A-469DB08BDE27}" dt="2024-04-08T03:35:13.553" v="176" actId="20577"/>
-          <ac:spMkLst>
-            <pc:docMk/>
-            <pc:sldMk cId="2393739114" sldId="348"/>
-            <ac:spMk id="13" creationId="{BDCCA1AA-840F-4524-A74B-FD31C5C10C13}"/>
-          </ac:spMkLst>
-        </pc:spChg>
-        <pc:spChg chg="mod">
-          <ac:chgData name="pdcxs" userId="f53f700a-6709-4045-8975-3edaa594be1c" providerId="ADAL" clId="{A99CC9C8-0570-4484-860A-469DB08BDE27}" dt="2024-04-08T03:37:26.111" v="206" actId="20577"/>
-          <ac:spMkLst>
-            <pc:docMk/>
-            <pc:sldMk cId="2393739114" sldId="348"/>
-            <ac:spMk id="15" creationId="{740A947D-4489-4A42-869D-B53B4F849760}"/>
-          </ac:spMkLst>
-        </pc:spChg>
       </pc:sldChg>
       <pc:sldChg chg="modSp mod">
         <pc:chgData name="pdcxs" userId="f53f700a-6709-4045-8975-3edaa594be1c" providerId="ADAL" clId="{A99CC9C8-0570-4484-860A-469DB08BDE27}" dt="2024-04-08T03:42:49.626" v="219" actId="20577"/>
@@ -311,14 +247,6 @@
           <pc:docMk/>
           <pc:sldMk cId="2596909571" sldId="349"/>
         </pc:sldMkLst>
-        <pc:spChg chg="mod">
-          <ac:chgData name="pdcxs" userId="f53f700a-6709-4045-8975-3edaa594be1c" providerId="ADAL" clId="{A99CC9C8-0570-4484-860A-469DB08BDE27}" dt="2024-04-08T03:42:49.626" v="219" actId="20577"/>
-          <ac:spMkLst>
-            <pc:docMk/>
-            <pc:sldMk cId="2596909571" sldId="349"/>
-            <ac:spMk id="3" creationId="{82CBD45A-3C61-4540-9065-FD2D277EB826}"/>
-          </ac:spMkLst>
-        </pc:spChg>
       </pc:sldChg>
       <pc:sldChg chg="modSp mod">
         <pc:chgData name="pdcxs" userId="f53f700a-6709-4045-8975-3edaa594be1c" providerId="ADAL" clId="{A99CC9C8-0570-4484-860A-469DB08BDE27}" dt="2024-04-08T03:49:26.408" v="283" actId="20577"/>
@@ -326,22 +254,6 @@
           <pc:docMk/>
           <pc:sldMk cId="3829791481" sldId="356"/>
         </pc:sldMkLst>
-        <pc:spChg chg="mod">
-          <ac:chgData name="pdcxs" userId="f53f700a-6709-4045-8975-3edaa594be1c" providerId="ADAL" clId="{A99CC9C8-0570-4484-860A-469DB08BDE27}" dt="2024-04-08T03:46:50.323" v="251" actId="14100"/>
-          <ac:spMkLst>
-            <pc:docMk/>
-            <pc:sldMk cId="3829791481" sldId="356"/>
-            <ac:spMk id="13" creationId="{865F452F-2B3D-4878-BA41-DA02DD496A64}"/>
-          </ac:spMkLst>
-        </pc:spChg>
-        <pc:spChg chg="mod">
-          <ac:chgData name="pdcxs" userId="f53f700a-6709-4045-8975-3edaa594be1c" providerId="ADAL" clId="{A99CC9C8-0570-4484-860A-469DB08BDE27}" dt="2024-04-08T03:49:26.408" v="283" actId="20577"/>
-          <ac:spMkLst>
-            <pc:docMk/>
-            <pc:sldMk cId="3829791481" sldId="356"/>
-            <ac:spMk id="15" creationId="{3B6815EF-F201-4600-93D9-94958AE2B54E}"/>
-          </ac:spMkLst>
-        </pc:spChg>
       </pc:sldChg>
       <pc:sldChg chg="modSp mod">
         <pc:chgData name="pdcxs" userId="f53f700a-6709-4045-8975-3edaa594be1c" providerId="ADAL" clId="{A99CC9C8-0570-4484-860A-469DB08BDE27}" dt="2024-04-08T03:51:31.562" v="316" actId="20577"/>
@@ -349,14 +261,6 @@
           <pc:docMk/>
           <pc:sldMk cId="1072529886" sldId="357"/>
         </pc:sldMkLst>
-        <pc:spChg chg="mod">
-          <ac:chgData name="pdcxs" userId="f53f700a-6709-4045-8975-3edaa594be1c" providerId="ADAL" clId="{A99CC9C8-0570-4484-860A-469DB08BDE27}" dt="2024-04-08T03:51:31.562" v="316" actId="20577"/>
-          <ac:spMkLst>
-            <pc:docMk/>
-            <pc:sldMk cId="1072529886" sldId="357"/>
-            <ac:spMk id="13" creationId="{23DB0563-F6A5-48B1-83C1-B087730D77EC}"/>
-          </ac:spMkLst>
-        </pc:spChg>
       </pc:sldChg>
       <pc:sldChg chg="modSp mod">
         <pc:chgData name="pdcxs" userId="f53f700a-6709-4045-8975-3edaa594be1c" providerId="ADAL" clId="{A99CC9C8-0570-4484-860A-469DB08BDE27}" dt="2024-04-08T03:54:45.803" v="358" actId="20577"/>
@@ -364,14 +268,6 @@
           <pc:docMk/>
           <pc:sldMk cId="1624159193" sldId="359"/>
         </pc:sldMkLst>
-        <pc:spChg chg="mod">
-          <ac:chgData name="pdcxs" userId="f53f700a-6709-4045-8975-3edaa594be1c" providerId="ADAL" clId="{A99CC9C8-0570-4484-860A-469DB08BDE27}" dt="2024-04-08T03:54:45.803" v="358" actId="20577"/>
-          <ac:spMkLst>
-            <pc:docMk/>
-            <pc:sldMk cId="1624159193" sldId="359"/>
-            <ac:spMk id="13" creationId="{23DB0563-F6A5-48B1-83C1-B087730D77EC}"/>
-          </ac:spMkLst>
-        </pc:spChg>
       </pc:sldChg>
     </pc:docChg>
   </pc:docChgLst>
@@ -411,28 +307,28 @@
           <pc:docMk/>
           <pc:sldMk cId="3149729374" sldId="363"/>
         </pc:sldMkLst>
+      </pc:sldChg>
+    </pc:docChg>
+  </pc:docChgLst>
+  <pc:docChgLst>
+    <pc:chgData name="pdcxs" userId="f53f700a-6709-4045-8975-3edaa594be1c" providerId="ADAL" clId="{ACA0D01A-25E7-4371-B4E4-134B9DF49C09}"/>
+    <pc:docChg chg="modSld">
+      <pc:chgData name="pdcxs" userId="f53f700a-6709-4045-8975-3edaa594be1c" providerId="ADAL" clId="{ACA0D01A-25E7-4371-B4E4-134B9DF49C09}" dt="2025-04-14T12:13:52.651" v="0"/>
+      <pc:docMkLst>
+        <pc:docMk/>
+      </pc:docMkLst>
+      <pc:sldChg chg="modSp mod">
+        <pc:chgData name="pdcxs" userId="f53f700a-6709-4045-8975-3edaa594be1c" providerId="ADAL" clId="{ACA0D01A-25E7-4371-B4E4-134B9DF49C09}" dt="2025-04-14T12:13:52.651" v="0"/>
+        <pc:sldMkLst>
+          <pc:docMk/>
+          <pc:sldMk cId="556349251" sldId="362"/>
+        </pc:sldMkLst>
         <pc:spChg chg="mod">
-          <ac:chgData name="pdcxs" userId="f53f700a-6709-4045-8975-3edaa594be1c" providerId="ADAL" clId="{CA086135-B595-48F1-A1FC-007846709CED}" dt="2024-04-08T10:18:41.908" v="358" actId="20577"/>
+          <ac:chgData name="pdcxs" userId="f53f700a-6709-4045-8975-3edaa594be1c" providerId="ADAL" clId="{ACA0D01A-25E7-4371-B4E4-134B9DF49C09}" dt="2025-04-14T12:13:52.651" v="0"/>
           <ac:spMkLst>
             <pc:docMk/>
-            <pc:sldMk cId="3149729374" sldId="363"/>
-            <ac:spMk id="3" creationId="{D413C4CB-0FF5-451F-ADC9-F1B720972F38}"/>
-          </ac:spMkLst>
-        </pc:spChg>
-        <pc:spChg chg="add mod">
-          <ac:chgData name="pdcxs" userId="f53f700a-6709-4045-8975-3edaa594be1c" providerId="ADAL" clId="{CA086135-B595-48F1-A1FC-007846709CED}" dt="2024-04-08T10:21:36.663" v="487"/>
-          <ac:spMkLst>
-            <pc:docMk/>
-            <pc:sldMk cId="3149729374" sldId="363"/>
-            <ac:spMk id="4" creationId="{0EC94FE1-97AB-9B5B-FDE3-24FC5771EDFB}"/>
-          </ac:spMkLst>
-        </pc:spChg>
-        <pc:spChg chg="mod">
-          <ac:chgData name="pdcxs" userId="f53f700a-6709-4045-8975-3edaa594be1c" providerId="ADAL" clId="{CA086135-B595-48F1-A1FC-007846709CED}" dt="2024-04-08T10:16:03.115" v="15" actId="20577"/>
-          <ac:spMkLst>
-            <pc:docMk/>
-            <pc:sldMk cId="3149729374" sldId="363"/>
-            <ac:spMk id="12" creationId="{FBAB8972-87CC-4170-AA59-C469F5151BAD}"/>
+            <pc:sldMk cId="556349251" sldId="362"/>
+            <ac:spMk id="21" creationId="{00000000-0000-0000-0000-000000000000}"/>
           </ac:spMkLst>
         </pc:spChg>
       </pc:sldChg>
@@ -451,14 +347,6 @@
           <pc:docMk/>
           <pc:sldMk cId="753176371" sldId="306"/>
         </pc:sldMkLst>
-        <pc:spChg chg="mod">
-          <ac:chgData name="pdcxs" userId="f53f700a-6709-4045-8975-3edaa594be1c" providerId="ADAL" clId="{BC624106-2C99-4A0A-B857-2C4C9AAD5A23}" dt="2023-03-09T01:57:03.007" v="8" actId="20577"/>
-          <ac:spMkLst>
-            <pc:docMk/>
-            <pc:sldMk cId="753176371" sldId="306"/>
-            <ac:spMk id="19" creationId="{00000000-0000-0000-0000-000000000000}"/>
-          </ac:spMkLst>
-        </pc:spChg>
       </pc:sldChg>
     </pc:docChg>
   </pc:docChgLst>
@@ -574,7 +462,7 @@
               <a:pPr>
                 <a:defRPr/>
               </a:pPr>
-              <a:t>2024/4/17</a:t>
+              <a:t>2025/4/14</a:t>
             </a:fld>
             <a:endParaRPr lang="zh-CN" altLang="en-US"/>
           </a:p>
@@ -2504,7 +2392,7 @@
               <a:pPr>
                 <a:defRPr/>
               </a:pPr>
-              <a:t>2024/4/17</a:t>
+              <a:t>2025/4/14</a:t>
             </a:fld>
             <a:endParaRPr lang="zh-CN" altLang="en-US"/>
           </a:p>
@@ -2845,7 +2733,7 @@
               <a:pPr>
                 <a:defRPr/>
               </a:pPr>
-              <a:t>2024/4/17</a:t>
+              <a:t>2025/4/14</a:t>
             </a:fld>
             <a:endParaRPr lang="zh-CN" altLang="en-US"/>
           </a:p>
@@ -3108,7 +2996,7 @@
               <a:pPr>
                 <a:defRPr/>
               </a:pPr>
-              <a:t>2024/4/17</a:t>
+              <a:t>2025/4/14</a:t>
             </a:fld>
             <a:endParaRPr lang="zh-CN" altLang="en-US"/>
           </a:p>
@@ -3371,7 +3259,7 @@
               <a:pPr>
                 <a:defRPr/>
               </a:pPr>
-              <a:t>2024/4/17</a:t>
+              <a:t>2025/4/14</a:t>
             </a:fld>
             <a:endParaRPr lang="zh-CN" altLang="en-US"/>
           </a:p>
@@ -3679,7 +3567,7 @@
           <a:p>
             <a:fld id="{727B9DD9-119C-4B8D-B3AB-3CFC6AE69930}" type="datetimeFigureOut">
               <a:rPr lang="zh-CN" altLang="en-US" smtClean="0"/>
-              <a:t>2024/4/17</a:t>
+              <a:t>2025/4/14</a:t>
             </a:fld>
             <a:endParaRPr lang="zh-CN" altLang="en-US"/>
           </a:p>
@@ -3759,7 +3647,7 @@
         <p:random/>
       </p:transition>
     </mc:Choice>
-    <mc:Fallback xmlns:p15="http://schemas.microsoft.com/office/powerpoint/2012/main" xmlns="">
+    <mc:Fallback xmlns="" xmlns:p15="http://schemas.microsoft.com/office/powerpoint/2012/main">
       <p:transition spd="slow" advClick="0">
         <p:random/>
       </p:transition>
@@ -5041,7 +4929,7 @@
               <a:pPr>
                 <a:defRPr/>
               </a:pPr>
-              <a:t>2024/4/17</a:t>
+              <a:t>2025/4/14</a:t>
             </a:fld>
             <a:endParaRPr lang="zh-CN" altLang="en-US"/>
           </a:p>
@@ -5559,7 +5447,7 @@
               <a:pPr>
                 <a:defRPr/>
               </a:pPr>
-              <a:t>2024/4/17</a:t>
+              <a:t>2025/4/14</a:t>
             </a:fld>
             <a:endParaRPr lang="zh-CN" altLang="en-US"/>
           </a:p>
@@ -5763,7 +5651,7 @@
               <a:pPr>
                 <a:defRPr/>
               </a:pPr>
-              <a:t>2024/4/17</a:t>
+              <a:t>2025/4/14</a:t>
             </a:fld>
             <a:endParaRPr lang="zh-CN" altLang="en-US"/>
           </a:p>
@@ -5937,7 +5825,7 @@
               <a:pPr>
                 <a:defRPr/>
               </a:pPr>
-              <a:t>2024/4/17</a:t>
+              <a:t>2025/4/14</a:t>
             </a:fld>
             <a:endParaRPr lang="zh-CN" altLang="en-US"/>
           </a:p>
@@ -6623,8 +6511,8 @@
         </p:nvSpPr>
         <p:spPr>
           <a:xfrm>
-            <a:off x="4307104" y="3583212"/>
-            <a:ext cx="3793288" cy="288512"/>
+            <a:off x="5312187" y="3583212"/>
+            <a:ext cx="1783122" cy="288512"/>
           </a:xfrm>
           <a:prstGeom prst="rect">
             <a:avLst/>
@@ -6649,7 +6537,7 @@
                 <a:latin typeface="微软雅黑" pitchFamily="34" charset="-122"/>
                 <a:ea typeface="微软雅黑" pitchFamily="34" charset="-122"/>
               </a:rPr>
-              <a:t>学院：计算机科学与技术学院（大数据学院）</a:t>
+              <a:t>学院：人工智能学院</a:t>
             </a:r>
             <a:endParaRPr lang="en-US" altLang="zh-CN" sz="1425" dirty="0">
               <a:solidFill>
@@ -6797,7 +6685,7 @@
         <p:blinds dir="vert"/>
       </p:transition>
     </mc:Choice>
-    <mc:Fallback xmlns:p15="http://schemas.microsoft.com/office/powerpoint/2012/main" xmlns="">
+    <mc:Fallback xmlns="" xmlns:p15="http://schemas.microsoft.com/office/powerpoint/2012/main">
       <p:transition spd="slow" advClick="0">
         <p:blinds dir="vert"/>
       </p:transition>
@@ -10418,7 +10306,7 @@
         <p:blinds dir="vert"/>
       </p:transition>
     </mc:Choice>
-    <mc:Fallback xmlns:p15="http://schemas.microsoft.com/office/powerpoint/2012/main" xmlns="">
+    <mc:Fallback xmlns="" xmlns:p15="http://schemas.microsoft.com/office/powerpoint/2012/main">
       <p:transition spd="slow" advClick="0">
         <p:blinds dir="vert"/>
       </p:transition>
@@ -11430,7 +11318,7 @@
         <p:blinds dir="vert"/>
       </p:transition>
     </mc:Choice>
-    <mc:Fallback xmlns:p15="http://schemas.microsoft.com/office/powerpoint/2012/main" xmlns="">
+    <mc:Fallback xmlns="" xmlns:p15="http://schemas.microsoft.com/office/powerpoint/2012/main">
       <p:transition spd="slow" advClick="0">
         <p:blinds dir="vert"/>
       </p:transition>
@@ -12261,7 +12149,7 @@
         <p:blinds dir="vert"/>
       </p:transition>
     </mc:Choice>
-    <mc:Fallback xmlns:p15="http://schemas.microsoft.com/office/powerpoint/2012/main" xmlns="">
+    <mc:Fallback xmlns="" xmlns:p15="http://schemas.microsoft.com/office/powerpoint/2012/main">
       <p:transition spd="slow" advClick="0">
         <p:blinds dir="vert"/>
       </p:transition>
@@ -13100,7 +12988,7 @@
         <p:blinds dir="vert"/>
       </p:transition>
     </mc:Choice>
-    <mc:Fallback xmlns:p15="http://schemas.microsoft.com/office/powerpoint/2012/main" xmlns="">
+    <mc:Fallback xmlns="" xmlns:p15="http://schemas.microsoft.com/office/powerpoint/2012/main">
       <p:transition spd="slow" advClick="0">
         <p:blinds dir="vert"/>
       </p:transition>
@@ -13798,7 +13686,7 @@
         <p:blinds dir="vert"/>
       </p:transition>
     </mc:Choice>
-    <mc:Fallback xmlns:p15="http://schemas.microsoft.com/office/powerpoint/2012/main" xmlns="">
+    <mc:Fallback xmlns="" xmlns:p15="http://schemas.microsoft.com/office/powerpoint/2012/main">
       <p:transition spd="slow" advClick="0">
         <p:blinds dir="vert"/>
       </p:transition>
@@ -14500,7 +14388,7 @@
         <p:blinds dir="vert"/>
       </p:transition>
     </mc:Choice>
-    <mc:Fallback xmlns:p15="http://schemas.microsoft.com/office/powerpoint/2012/main" xmlns="">
+    <mc:Fallback xmlns="" xmlns:p15="http://schemas.microsoft.com/office/powerpoint/2012/main">
       <p:transition spd="slow" advClick="0">
         <p:blinds dir="vert"/>
       </p:transition>
@@ -17375,7 +17263,7 @@
         <p14:prism/>
       </p:transition>
     </mc:Choice>
-    <mc:Fallback xmlns:p15="http://schemas.microsoft.com/office/powerpoint/2012/main" xmlns="">
+    <mc:Fallback xmlns="" xmlns:p15="http://schemas.microsoft.com/office/powerpoint/2012/main">
       <p:transition spd="slow" advClick="0">
         <p:fade/>
       </p:transition>
@@ -18300,7 +18188,7 @@
         <p:blinds dir="vert"/>
       </p:transition>
     </mc:Choice>
-    <mc:Fallback xmlns:p15="http://schemas.microsoft.com/office/powerpoint/2012/main" xmlns="">
+    <mc:Fallback xmlns="" xmlns:p15="http://schemas.microsoft.com/office/powerpoint/2012/main">
       <p:transition spd="slow" advClick="0">
         <p:blinds dir="vert"/>
       </p:transition>
@@ -18992,7 +18880,7 @@
         <p:blinds dir="vert"/>
       </p:transition>
     </mc:Choice>
-    <mc:Fallback xmlns:p15="http://schemas.microsoft.com/office/powerpoint/2012/main" xmlns="">
+    <mc:Fallback xmlns="" xmlns:p15="http://schemas.microsoft.com/office/powerpoint/2012/main">
       <p:transition spd="slow" advClick="0">
         <p:blinds dir="vert"/>
       </p:transition>
@@ -19612,7 +19500,7 @@
         <p:blinds dir="vert"/>
       </p:transition>
     </mc:Choice>
-    <mc:Fallback xmlns:p15="http://schemas.microsoft.com/office/powerpoint/2012/main" xmlns="">
+    <mc:Fallback xmlns="" xmlns:p15="http://schemas.microsoft.com/office/powerpoint/2012/main">
       <p:transition spd="slow" advClick="0">
         <p:blinds dir="vert"/>
       </p:transition>
@@ -20813,7 +20701,7 @@
         <p:blinds dir="vert"/>
       </p:transition>
     </mc:Choice>
-    <mc:Fallback xmlns:p15="http://schemas.microsoft.com/office/powerpoint/2012/main" xmlns="">
+    <mc:Fallback xmlns="" xmlns:p15="http://schemas.microsoft.com/office/powerpoint/2012/main">
       <p:transition spd="slow" advClick="0">
         <p:blinds dir="vert"/>
       </p:transition>
@@ -21662,7 +21550,7 @@
         <p:blinds dir="vert"/>
       </p:transition>
     </mc:Choice>
-    <mc:Fallback xmlns:p15="http://schemas.microsoft.com/office/powerpoint/2012/main" xmlns="">
+    <mc:Fallback xmlns="" xmlns:p15="http://schemas.microsoft.com/office/powerpoint/2012/main">
       <p:transition spd="slow" advClick="0">
         <p:blinds dir="vert"/>
       </p:transition>
@@ -22358,7 +22246,7 @@
         <p:blinds dir="vert"/>
       </p:transition>
     </mc:Choice>
-    <mc:Fallback xmlns:p15="http://schemas.microsoft.com/office/powerpoint/2012/main" xmlns="">
+    <mc:Fallback xmlns="" xmlns:p15="http://schemas.microsoft.com/office/powerpoint/2012/main">
       <p:transition spd="slow" advClick="0">
         <p:blinds dir="vert"/>
       </p:transition>
@@ -23441,7 +23329,7 @@
         <p:blinds dir="vert"/>
       </p:transition>
     </mc:Choice>
-    <mc:Fallback xmlns:p15="http://schemas.microsoft.com/office/powerpoint/2012/main" xmlns="">
+    <mc:Fallback xmlns="" xmlns:p15="http://schemas.microsoft.com/office/powerpoint/2012/main">
       <p:transition spd="slow" advClick="0">
         <p:blinds dir="vert"/>
       </p:transition>
@@ -24115,7 +24003,7 @@
         <p:blinds dir="vert"/>
       </p:transition>
     </mc:Choice>
-    <mc:Fallback xmlns:p15="http://schemas.microsoft.com/office/powerpoint/2012/main" xmlns="">
+    <mc:Fallback xmlns="" xmlns:p15="http://schemas.microsoft.com/office/powerpoint/2012/main">
       <p:transition spd="slow" advClick="0">
         <p:blinds dir="vert"/>
       </p:transition>
@@ -25041,7 +24929,7 @@
         <p:blinds dir="vert"/>
       </p:transition>
     </mc:Choice>
-    <mc:Fallback xmlns:p15="http://schemas.microsoft.com/office/powerpoint/2012/main" xmlns="">
+    <mc:Fallback xmlns="" xmlns:p15="http://schemas.microsoft.com/office/powerpoint/2012/main">
       <p:transition spd="slow" advClick="0">
         <p:blinds dir="vert"/>
       </p:transition>
@@ -25481,7 +25369,7 @@
         <p:blinds dir="vert"/>
       </p:transition>
     </mc:Choice>
-    <mc:Fallback xmlns:p15="http://schemas.microsoft.com/office/powerpoint/2012/main" xmlns="">
+    <mc:Fallback xmlns="" xmlns:p15="http://schemas.microsoft.com/office/powerpoint/2012/main">
       <p:transition spd="slow" advClick="0">
         <p:blinds dir="vert"/>
       </p:transition>
@@ -27688,7 +27576,7 @@
         <p:blinds dir="vert"/>
       </p:transition>
     </mc:Choice>
-    <mc:Fallback xmlns:p15="http://schemas.microsoft.com/office/powerpoint/2012/main" xmlns="">
+    <mc:Fallback xmlns="" xmlns:p15="http://schemas.microsoft.com/office/powerpoint/2012/main">
       <p:transition spd="slow" advClick="0">
         <p:blinds dir="vert"/>
       </p:transition>
@@ -28757,7 +28645,7 @@
         <p:blinds dir="vert"/>
       </p:transition>
     </mc:Choice>
-    <mc:Fallback xmlns:p15="http://schemas.microsoft.com/office/powerpoint/2012/main" xmlns="">
+    <mc:Fallback xmlns="" xmlns:p15="http://schemas.microsoft.com/office/powerpoint/2012/main">
       <p:transition spd="slow" advClick="0">
         <p:blinds dir="vert"/>
       </p:transition>
@@ -29872,7 +29760,7 @@
         <p:blinds dir="vert"/>
       </p:transition>
     </mc:Choice>
-    <mc:Fallback xmlns:p15="http://schemas.microsoft.com/office/powerpoint/2012/main" xmlns="">
+    <mc:Fallback xmlns="" xmlns:p15="http://schemas.microsoft.com/office/powerpoint/2012/main">
       <p:transition spd="slow" advClick="0">
         <p:blinds dir="vert"/>
       </p:transition>
@@ -30739,7 +30627,7 @@
         <p:blinds dir="vert"/>
       </p:transition>
     </mc:Choice>
-    <mc:Fallback xmlns:p15="http://schemas.microsoft.com/office/powerpoint/2012/main" xmlns="">
+    <mc:Fallback xmlns="" xmlns:p15="http://schemas.microsoft.com/office/powerpoint/2012/main">
       <p:transition spd="slow" advClick="0">
         <p:blinds dir="vert"/>
       </p:transition>
@@ -31176,7 +31064,7 @@
         <p:blinds dir="vert"/>
       </p:transition>
     </mc:Choice>
-    <mc:Fallback xmlns:p15="http://schemas.microsoft.com/office/powerpoint/2012/main" xmlns="">
+    <mc:Fallback xmlns="" xmlns:p15="http://schemas.microsoft.com/office/powerpoint/2012/main">
       <p:transition spd="slow" advClick="0">
         <p:blinds dir="vert"/>
       </p:transition>
@@ -32046,7 +31934,7 @@
         <p:blinds dir="vert"/>
       </p:transition>
     </mc:Choice>
-    <mc:Fallback xmlns:p15="http://schemas.microsoft.com/office/powerpoint/2012/main" xmlns="">
+    <mc:Fallback xmlns="" xmlns:p15="http://schemas.microsoft.com/office/powerpoint/2012/main">
       <p:transition spd="slow" advClick="0">
         <p:blinds dir="vert"/>
       </p:transition>
@@ -32337,7 +32225,7 @@
     <mc:Choice Requires="p14">
       <p:transition spd="slow" p14:dur="2000" advClick="0"/>
     </mc:Choice>
-    <mc:Fallback xmlns:p15="http://schemas.microsoft.com/office/powerpoint/2012/main" xmlns="">
+    <mc:Fallback xmlns="" xmlns:p15="http://schemas.microsoft.com/office/powerpoint/2012/main">
       <p:transition spd="slow" advClick="0"/>
     </mc:Fallback>
   </mc:AlternateContent>
@@ -33382,7 +33270,7 @@
         <p:blinds dir="vert"/>
       </p:transition>
     </mc:Choice>
-    <mc:Fallback xmlns:p15="http://schemas.microsoft.com/office/powerpoint/2012/main" xmlns="">
+    <mc:Fallback xmlns="" xmlns:p15="http://schemas.microsoft.com/office/powerpoint/2012/main">
       <p:transition spd="slow" advClick="0">
         <p:blinds dir="vert"/>
       </p:transition>
@@ -34222,7 +34110,7 @@
         <p:blinds dir="vert"/>
       </p:transition>
     </mc:Choice>
-    <mc:Fallback xmlns:p15="http://schemas.microsoft.com/office/powerpoint/2012/main" xmlns="">
+    <mc:Fallback xmlns="" xmlns:p15="http://schemas.microsoft.com/office/powerpoint/2012/main">
       <p:transition spd="slow" advClick="0">
         <p:blinds dir="vert"/>
       </p:transition>
